--- a/TriviaGame/Trivia Game.pptx
+++ b/TriviaGame/Trivia Game.pptx
@@ -198,7 +198,7 @@
           <a:p>
             <a:fld id="{0C3189B2-5C6F-459E-BA39-391660AD7971}" type="datetimeFigureOut">
               <a:rPr lang="en-US" smtClean="0"/>
-              <a:t>6/6/2018</a:t>
+              <a:t>6/11/2018</a:t>
             </a:fld>
             <a:endParaRPr lang="en-US"/>
           </a:p>
@@ -1020,7 +1020,7 @@
           <a:p>
             <a:fld id="{DC21B0E8-F13D-4838-B9EE-710F34CEFD5A}" type="datetimeFigureOut">
               <a:rPr lang="en-US" smtClean="0"/>
-              <a:t>6/6/2018</a:t>
+              <a:t>6/11/2018</a:t>
             </a:fld>
             <a:endParaRPr lang="en-US"/>
           </a:p>
@@ -1185,7 +1185,7 @@
           <a:p>
             <a:fld id="{DC21B0E8-F13D-4838-B9EE-710F34CEFD5A}" type="datetimeFigureOut">
               <a:rPr lang="en-US" smtClean="0"/>
-              <a:t>6/6/2018</a:t>
+              <a:t>6/11/2018</a:t>
             </a:fld>
             <a:endParaRPr lang="en-US"/>
           </a:p>
@@ -1360,7 +1360,7 @@
           <a:p>
             <a:fld id="{DC21B0E8-F13D-4838-B9EE-710F34CEFD5A}" type="datetimeFigureOut">
               <a:rPr lang="en-US" smtClean="0"/>
-              <a:t>6/6/2018</a:t>
+              <a:t>6/11/2018</a:t>
             </a:fld>
             <a:endParaRPr lang="en-US"/>
           </a:p>
@@ -1507,7 +1507,7 @@
           <a:p>
             <a:fld id="{DC21B0E8-F13D-4838-B9EE-710F34CEFD5A}" type="datetimeFigureOut">
               <a:rPr lang="en-US" smtClean="0"/>
-              <a:t>6/6/2018</a:t>
+              <a:t>6/11/2018</a:t>
             </a:fld>
             <a:endParaRPr lang="en-US"/>
           </a:p>
@@ -1624,7 +1624,7 @@
           <a:p>
             <a:fld id="{DC21B0E8-F13D-4838-B9EE-710F34CEFD5A}" type="datetimeFigureOut">
               <a:rPr lang="en-US" smtClean="0"/>
-              <a:t>6/6/2018</a:t>
+              <a:t>6/11/2018</a:t>
             </a:fld>
             <a:endParaRPr lang="en-US"/>
           </a:p>
@@ -1894,7 +1894,7 @@
           <a:p>
             <a:fld id="{DC21B0E8-F13D-4838-B9EE-710F34CEFD5A}" type="datetimeFigureOut">
               <a:rPr lang="en-US" smtClean="0"/>
-              <a:t>6/6/2018</a:t>
+              <a:t>6/11/2018</a:t>
             </a:fld>
             <a:endParaRPr lang="en-US"/>
           </a:p>
@@ -2163,7 +2163,7 @@
           <a:p>
             <a:fld id="{DC21B0E8-F13D-4838-B9EE-710F34CEFD5A}" type="datetimeFigureOut">
               <a:rPr lang="en-US" smtClean="0"/>
-              <a:t>6/6/2018</a:t>
+              <a:t>6/11/2018</a:t>
             </a:fld>
             <a:endParaRPr lang="en-US"/>
           </a:p>
@@ -2610,7 +2610,7 @@
           <a:p>
             <a:fld id="{DC21B0E8-F13D-4838-B9EE-710F34CEFD5A}" type="datetimeFigureOut">
               <a:rPr lang="en-US" smtClean="0"/>
-              <a:t>6/6/2018</a:t>
+              <a:t>6/11/2018</a:t>
             </a:fld>
             <a:endParaRPr lang="en-US"/>
           </a:p>
@@ -2723,7 +2723,7 @@
           <a:p>
             <a:fld id="{DC21B0E8-F13D-4838-B9EE-710F34CEFD5A}" type="datetimeFigureOut">
               <a:rPr lang="en-US" smtClean="0"/>
-              <a:t>6/6/2018</a:t>
+              <a:t>6/11/2018</a:t>
             </a:fld>
             <a:endParaRPr lang="en-US"/>
           </a:p>
@@ -2973,7 +2973,7 @@
           <a:p>
             <a:fld id="{DC21B0E8-F13D-4838-B9EE-710F34CEFD5A}" type="datetimeFigureOut">
               <a:rPr lang="en-US" smtClean="0"/>
-              <a:t>6/6/2018</a:t>
+              <a:t>6/11/2018</a:t>
             </a:fld>
             <a:endParaRPr lang="en-US"/>
           </a:p>
@@ -3213,7 +3213,7 @@
           <a:p>
             <a:fld id="{DC21B0E8-F13D-4838-B9EE-710F34CEFD5A}" type="datetimeFigureOut">
               <a:rPr lang="en-US" smtClean="0"/>
-              <a:t>6/6/2018</a:t>
+              <a:t>6/11/2018</a:t>
             </a:fld>
             <a:endParaRPr lang="en-US"/>
           </a:p>
@@ -3386,7 +3386,7 @@
           <a:p>
             <a:fld id="{DC21B0E8-F13D-4838-B9EE-710F34CEFD5A}" type="datetimeFigureOut">
               <a:rPr lang="en-US" smtClean="0"/>
-              <a:t>6/6/2018</a:t>
+              <a:t>6/11/2018</a:t>
             </a:fld>
             <a:endParaRPr lang="en-US"/>
           </a:p>
@@ -4062,8 +4062,16 @@
               <a:buAutoNum type="arabicPeriod"/>
             </a:pPr>
             <a:r>
-              <a:rPr lang="en-US" dirty="0" smtClean="0"/>
-              <a:t>How long is all three extended “The Lord of the Rings” movies combined including the credits?  9 hours 30 minutes, 11 hours 22 minutes, 10 hours 47 minutes, </a:t>
+              <a:rPr lang="en-US" dirty="0" smtClean="0">
+                <a:solidFill>
+                  <a:srgbClr val="FF0000"/>
+                </a:solidFill>
+              </a:rPr>
+              <a:t>How long is all three extended “The Lord of the Rings” movies combined </a:t>
+            </a:r>
+            <a:r>
+              <a:rPr lang="en-US" dirty="0" smtClean="0"/>
+              <a:t>including the credits?  9 hours 30 minutes, 11 hours 22 minutes, 10 hours 47 minutes, </a:t>
             </a:r>
             <a:r>
               <a:rPr lang="en-US" dirty="0" smtClean="0">
@@ -4098,12 +4106,12 @@
               <a:buAutoNum type="arabicPeriod"/>
             </a:pPr>
             <a:r>
-              <a:rPr lang="en-US" dirty="0" smtClean="0"/>
-              <a:t>How </a:t>
-            </a:r>
-            <a:r>
-              <a:rPr lang="en-US" dirty="0" smtClean="0"/>
-              <a:t>many members </a:t>
+              <a:rPr lang="en-US" dirty="0" smtClean="0">
+                <a:solidFill>
+                  <a:srgbClr val="FF0000"/>
+                </a:solidFill>
+              </a:rPr>
+              <a:t>How many members </a:t>
             </a:r>
             <a:r>
               <a:rPr lang="en-US" dirty="0" smtClean="0"/>
@@ -4166,8 +4174,16 @@
               <a:buAutoNum type="arabicPeriod"/>
             </a:pPr>
             <a:r>
-              <a:rPr lang="en-US" dirty="0" smtClean="0"/>
-              <a:t>Who was the composer of “The Lord of the Rings” Original Score? </a:t>
+              <a:rPr lang="en-US" dirty="0" smtClean="0">
+                <a:solidFill>
+                  <a:srgbClr val="FF0000"/>
+                </a:solidFill>
+              </a:rPr>
+              <a:t>Who was the composer </a:t>
+            </a:r>
+            <a:r>
+              <a:rPr lang="en-US" dirty="0" smtClean="0"/>
+              <a:t>of “The Lord of the Rings” Original Score? </a:t>
             </a:r>
             <a:r>
               <a:rPr lang="en-US" dirty="0" smtClean="0">
@@ -4280,8 +4296,16 @@
               <a:buAutoNum type="arabicPeriod"/>
             </a:pPr>
             <a:r>
-              <a:rPr lang="en-US" dirty="0" smtClean="0"/>
-              <a:t>What are the names of the four hobbits that are in the fellowship? [Phillip, Merry, Fordo, Sam]; </a:t>
+              <a:rPr lang="en-US" dirty="0" smtClean="0">
+                <a:solidFill>
+                  <a:srgbClr val="FF0000"/>
+                </a:solidFill>
+              </a:rPr>
+              <a:t>What are the names </a:t>
+            </a:r>
+            <a:r>
+              <a:rPr lang="en-US" dirty="0" smtClean="0"/>
+              <a:t>of the four hobbits that are in the fellowship? [Phillip, Merry, Fordo, Sam]; </a:t>
             </a:r>
             <a:r>
               <a:rPr lang="en-US" dirty="0" smtClean="0">
@@ -4354,8 +4378,16 @@
               <a:buAutoNum type="arabicPeriod"/>
             </a:pPr>
             <a:r>
-              <a:rPr lang="en-US" dirty="0" smtClean="0"/>
-              <a:t>How many rings were given to the dwarves? 3, 5,</a:t>
+              <a:rPr lang="en-US" dirty="0" smtClean="0">
+                <a:solidFill>
+                  <a:srgbClr val="FF0000"/>
+                </a:solidFill>
+              </a:rPr>
+              <a:t>How many rings were given to the dwarves</a:t>
+            </a:r>
+            <a:r>
+              <a:rPr lang="en-US" dirty="0" smtClean="0"/>
+              <a:t>? 3, 5,</a:t>
             </a:r>
             <a:r>
               <a:rPr lang="en-US" dirty="0" smtClean="0">
@@ -4395,7 +4427,19 @@
             </a:pPr>
             <a:r>
               <a:rPr lang="en-US" dirty="0" smtClean="0"/>
-              <a:t>“One Ring to rule them all, one ring to find them, one ring to bring them all and in the darkness bind them” </a:t>
+              <a:t>“</a:t>
+            </a:r>
+            <a:r>
+              <a:rPr lang="en-US" dirty="0" smtClean="0">
+                <a:solidFill>
+                  <a:srgbClr val="FF0000"/>
+                </a:solidFill>
+              </a:rPr>
+              <a:t>One Ring to </a:t>
+            </a:r>
+            <a:r>
+              <a:rPr lang="en-US" dirty="0" smtClean="0"/>
+              <a:t>rule them all, one ring to find them, one ring to bring them all and in the darkness bind them” </a:t>
             </a:r>
             <a:r>
               <a:rPr lang="en-US" dirty="0" smtClean="0">
@@ -4566,8 +4610,16 @@
               <a:buAutoNum type="arabicPeriod"/>
             </a:pPr>
             <a:r>
-              <a:rPr lang="en-US" dirty="0" smtClean="0"/>
-              <a:t>Who had the ring before Frodo? Sam, Gollum, Bilbo, </a:t>
+              <a:rPr lang="en-US" dirty="0" smtClean="0">
+                <a:solidFill>
+                  <a:srgbClr val="FF0000"/>
+                </a:solidFill>
+              </a:rPr>
+              <a:t>Who had the ring before Frodo? </a:t>
+            </a:r>
+            <a:r>
+              <a:rPr lang="en-US" dirty="0" smtClean="0"/>
+              <a:t>Sam, Gollum, Bilbo, </a:t>
             </a:r>
             <a:r>
               <a:rPr lang="en-US" dirty="0" err="1" smtClean="0"/>
@@ -4581,8 +4633,42 @@
               <a:buAutoNum type="arabicPeriod"/>
             </a:pPr>
             <a:r>
-              <a:rPr lang="en-US" dirty="0" smtClean="0"/>
-              <a:t>What were the ring wraths before they became wraths? Men hobbits, </a:t>
+              <a:rPr lang="en-US" dirty="0" smtClean="0">
+                <a:solidFill>
+                  <a:srgbClr val="FF0000"/>
+                </a:solidFill>
+              </a:rPr>
+              <a:t>What were the ring wraths before they became wraths? </a:t>
+            </a:r>
+            <a:r>
+              <a:rPr lang="en-US" dirty="0" smtClean="0">
+                <a:solidFill>
+                  <a:schemeClr val="accent2"/>
+                </a:solidFill>
+              </a:rPr>
+              <a:t>Men</a:t>
+            </a:r>
+            <a:r>
+              <a:rPr lang="en-US" dirty="0" smtClean="0"/>
+              <a:t> hobbits, elves, dwarves, none of these</a:t>
+            </a:r>
+          </a:p>
+          <a:p>
+            <a:pPr marL="514350" indent="-514350">
+              <a:buFont typeface="+mj-lt"/>
+              <a:buAutoNum type="arabicPeriod"/>
+            </a:pPr>
+            <a:r>
+              <a:rPr lang="en-US" dirty="0" smtClean="0">
+                <a:solidFill>
+                  <a:srgbClr val="FF0000"/>
+                </a:solidFill>
+              </a:rPr>
+              <a:t>What were orcs before they were orcs? </a:t>
+            </a:r>
+            <a:r>
+              <a:rPr lang="en-US" dirty="0" smtClean="0"/>
+              <a:t>Men, hobbits, </a:t>
             </a:r>
             <a:r>
               <a:rPr lang="en-US" dirty="0" smtClean="0">
@@ -4594,7 +4680,7 @@
             </a:r>
             <a:r>
               <a:rPr lang="en-US" dirty="0" smtClean="0"/>
-              <a:t>, dwarves, none of these</a:t>
+              <a:t> dwarves none of these</a:t>
             </a:r>
           </a:p>
           <a:p>
@@ -4603,30 +4689,16 @@
               <a:buAutoNum type="arabicPeriod"/>
             </a:pPr>
             <a:r>
-              <a:rPr lang="en-US" dirty="0" smtClean="0"/>
-              <a:t>What were orcs before they were orcs? Men, hobbits, </a:t>
-            </a:r>
-            <a:r>
               <a:rPr lang="en-US" dirty="0" smtClean="0">
                 <a:solidFill>
-                  <a:srgbClr val="FFFF00"/>
+                  <a:srgbClr val="FF0000"/>
                 </a:solidFill>
               </a:rPr>
-              <a:t>elves</a:t>
-            </a:r>
-            <a:r>
-              <a:rPr lang="en-US" dirty="0" smtClean="0"/>
-              <a:t> dwarves none of these</a:t>
-            </a:r>
-          </a:p>
-          <a:p>
-            <a:pPr marL="514350" indent="-514350">
-              <a:buFont typeface="+mj-lt"/>
-              <a:buAutoNum type="arabicPeriod"/>
-            </a:pPr>
-            <a:r>
-              <a:rPr lang="en-US" dirty="0" smtClean="0"/>
-              <a:t>Where was the ring forged? Minas </a:t>
+              <a:t>Where was the ring forged</a:t>
+            </a:r>
+            <a:r>
+              <a:rPr lang="en-US" dirty="0" smtClean="0"/>
+              <a:t>? Minas </a:t>
             </a:r>
             <a:r>
               <a:rPr lang="en-US" dirty="0" err="1" smtClean="0"/>
